--- a/backend/templates/leaving_employee_pl.pptx
+++ b/backend/templates/leaving_employee_pl.pptx
@@ -243,7 +243,7 @@
           <a:p>
             <a:fld id="{58FB63AF-01B3-49F3-A0A3-B5D12ECE087D}" type="datetimeFigureOut">
               <a:rPr lang="pl-PL" smtClean="0"/>
-              <a:t>04.03.2024</a:t>
+              <a:t>05.03.2024</a:t>
             </a:fld>
             <a:endParaRPr lang="pl-PL"/>
           </a:p>
@@ -413,7 +413,7 @@
           <a:p>
             <a:fld id="{58FB63AF-01B3-49F3-A0A3-B5D12ECE087D}" type="datetimeFigureOut">
               <a:rPr lang="pl-PL" smtClean="0"/>
-              <a:t>04.03.2024</a:t>
+              <a:t>05.03.2024</a:t>
             </a:fld>
             <a:endParaRPr lang="pl-PL"/>
           </a:p>
@@ -593,7 +593,7 @@
           <a:p>
             <a:fld id="{58FB63AF-01B3-49F3-A0A3-B5D12ECE087D}" type="datetimeFigureOut">
               <a:rPr lang="pl-PL" smtClean="0"/>
-              <a:t>04.03.2024</a:t>
+              <a:t>05.03.2024</a:t>
             </a:fld>
             <a:endParaRPr lang="pl-PL"/>
           </a:p>
@@ -1120,7 +1120,7 @@
           <a:p>
             <a:fld id="{58FB63AF-01B3-49F3-A0A3-B5D12ECE087D}" type="datetimeFigureOut">
               <a:rPr lang="pl-PL" smtClean="0"/>
-              <a:t>04.03.2024</a:t>
+              <a:t>05.03.2024</a:t>
             </a:fld>
             <a:endParaRPr lang="pl-PL"/>
           </a:p>
@@ -1366,7 +1366,7 @@
           <a:p>
             <a:fld id="{58FB63AF-01B3-49F3-A0A3-B5D12ECE087D}" type="datetimeFigureOut">
               <a:rPr lang="pl-PL" smtClean="0"/>
-              <a:t>04.03.2024</a:t>
+              <a:t>05.03.2024</a:t>
             </a:fld>
             <a:endParaRPr lang="pl-PL"/>
           </a:p>
@@ -1598,7 +1598,7 @@
           <a:p>
             <a:fld id="{58FB63AF-01B3-49F3-A0A3-B5D12ECE087D}" type="datetimeFigureOut">
               <a:rPr lang="pl-PL" smtClean="0"/>
-              <a:t>04.03.2024</a:t>
+              <a:t>05.03.2024</a:t>
             </a:fld>
             <a:endParaRPr lang="pl-PL"/>
           </a:p>
@@ -1965,7 +1965,7 @@
           <a:p>
             <a:fld id="{58FB63AF-01B3-49F3-A0A3-B5D12ECE087D}" type="datetimeFigureOut">
               <a:rPr lang="pl-PL" smtClean="0"/>
-              <a:t>04.03.2024</a:t>
+              <a:t>05.03.2024</a:t>
             </a:fld>
             <a:endParaRPr lang="pl-PL"/>
           </a:p>
@@ -2083,7 +2083,7 @@
           <a:p>
             <a:fld id="{58FB63AF-01B3-49F3-A0A3-B5D12ECE087D}" type="datetimeFigureOut">
               <a:rPr lang="pl-PL" smtClean="0"/>
-              <a:t>04.03.2024</a:t>
+              <a:t>05.03.2024</a:t>
             </a:fld>
             <a:endParaRPr lang="pl-PL"/>
           </a:p>
@@ -2178,7 +2178,7 @@
           <a:p>
             <a:fld id="{58FB63AF-01B3-49F3-A0A3-B5D12ECE087D}" type="datetimeFigureOut">
               <a:rPr lang="pl-PL" smtClean="0"/>
-              <a:t>04.03.2024</a:t>
+              <a:t>05.03.2024</a:t>
             </a:fld>
             <a:endParaRPr lang="pl-PL"/>
           </a:p>
@@ -2455,7 +2455,7 @@
           <a:p>
             <a:fld id="{58FB63AF-01B3-49F3-A0A3-B5D12ECE087D}" type="datetimeFigureOut">
               <a:rPr lang="pl-PL" smtClean="0"/>
-              <a:t>04.03.2024</a:t>
+              <a:t>05.03.2024</a:t>
             </a:fld>
             <a:endParaRPr lang="pl-PL"/>
           </a:p>
@@ -2712,7 +2712,7 @@
           <a:p>
             <a:fld id="{58FB63AF-01B3-49F3-A0A3-B5D12ECE087D}" type="datetimeFigureOut">
               <a:rPr lang="pl-PL" smtClean="0"/>
-              <a:t>04.03.2024</a:t>
+              <a:t>05.03.2024</a:t>
             </a:fld>
             <a:endParaRPr lang="pl-PL"/>
           </a:p>
@@ -2925,7 +2925,7 @@
           <a:p>
             <a:fld id="{58FB63AF-01B3-49F3-A0A3-B5D12ECE087D}" type="datetimeFigureOut">
               <a:rPr lang="pl-PL" smtClean="0"/>
-              <a:t>04.03.2024</a:t>
+              <a:t>05.03.2024</a:t>
             </a:fld>
             <a:endParaRPr lang="pl-PL"/>
           </a:p>
@@ -3403,8 +3403,8 @@
         </p:nvSpPr>
         <p:spPr>
           <a:xfrm>
-            <a:off x="988069" y="1814184"/>
-            <a:ext cx="1368000" cy="1980000"/>
+            <a:off x="753119" y="1547484"/>
+            <a:ext cx="1839600" cy="2520000"/>
           </a:xfrm>
           <a:prstGeom prst="rect">
             <a:avLst/>
@@ -3847,21 +3847,6 @@
 </file>
 
 <file path=customXml/item1.xml><?xml version="1.0" encoding="utf-8"?>
-<p:properties xmlns:p="http://schemas.microsoft.com/office/2006/metadata/properties" xmlns:xsi="http://www.w3.org/2001/XMLSchema-instance" xmlns:pc="http://schemas.microsoft.com/office/infopath/2007/PartnerControls">
-  <documentManagement/>
-</p:properties>
-</file>
-
-<file path=customXml/item2.xml><?xml version="1.0" encoding="utf-8"?>
-<?mso-contentType ?>
-<FormTemplates xmlns="http://schemas.microsoft.com/sharepoint/v3/contenttype/forms">
-  <Display>DocumentLibraryForm</Display>
-  <Edit>DocumentLibraryForm</Edit>
-  <New>DocumentLibraryForm</New>
-</FormTemplates>
-</file>
-
-<file path=customXml/item3.xml><?xml version="1.0" encoding="utf-8"?>
 <ct:contentTypeSchema xmlns:ct="http://schemas.microsoft.com/office/2006/metadata/contentType" xmlns:ma="http://schemas.microsoft.com/office/2006/metadata/properties/metaAttributes" ct:_="" ma:_="" ma:contentTypeName="Dokument" ma:contentTypeID="0x01010017C39CA15D84944AA01936F7ACF12A88" ma:contentTypeVersion="4" ma:contentTypeDescription="Loo uus dokument" ma:contentTypeScope="" ma:versionID="5d3066c12dd704e2a6ddefec2205cf1e">
   <xsd:schema xmlns:xsd="http://www.w3.org/2001/XMLSchema" xmlns:xs="http://www.w3.org/2001/XMLSchema" xmlns:p="http://schemas.microsoft.com/office/2006/metadata/properties" xmlns:ns3="7ee0ed61-752b-4f2e-896a-2d704be2690c" targetNamespace="http://schemas.microsoft.com/office/2006/metadata/properties" ma:root="true" ma:fieldsID="fa640108330efcb8b16e0756382f375a" ns3:_="">
     <xsd:import namespace="7ee0ed61-752b-4f2e-896a-2d704be2690c"/>
@@ -4005,31 +3990,22 @@
 </ct:contentTypeSchema>
 </file>
 
-<file path=customXml/itemProps1.xml><?xml version="1.0" encoding="utf-8"?>
-<ds:datastoreItem xmlns:ds="http://schemas.openxmlformats.org/officeDocument/2006/customXml" ds:itemID="{9FAF190B-11C1-42D7-9702-AB050DF262DD}">
-  <ds:schemaRefs>
-    <ds:schemaRef ds:uri="7ee0ed61-752b-4f2e-896a-2d704be2690c"/>
-    <ds:schemaRef ds:uri="http://www.w3.org/XML/1998/namespace"/>
-    <ds:schemaRef ds:uri="http://purl.org/dc/terms/"/>
-    <ds:schemaRef ds:uri="http://schemas.microsoft.com/office/2006/metadata/properties"/>
-    <ds:schemaRef ds:uri="http://purl.org/dc/elements/1.1/"/>
-    <ds:schemaRef ds:uri="http://schemas.openxmlformats.org/package/2006/metadata/core-properties"/>
-    <ds:schemaRef ds:uri="http://schemas.microsoft.com/office/2006/documentManagement/types"/>
-    <ds:schemaRef ds:uri="http://schemas.microsoft.com/office/infopath/2007/PartnerControls"/>
-    <ds:schemaRef ds:uri="http://purl.org/dc/dcmitype/"/>
-  </ds:schemaRefs>
-</ds:datastoreItem>
+<file path=customXml/item2.xml><?xml version="1.0" encoding="utf-8"?>
+<?mso-contentType ?>
+<FormTemplates xmlns="http://schemas.microsoft.com/sharepoint/v3/contenttype/forms">
+  <Display>DocumentLibraryForm</Display>
+  <Edit>DocumentLibraryForm</Edit>
+  <New>DocumentLibraryForm</New>
+</FormTemplates>
 </file>
 
-<file path=customXml/itemProps2.xml><?xml version="1.0" encoding="utf-8"?>
-<ds:datastoreItem xmlns:ds="http://schemas.openxmlformats.org/officeDocument/2006/customXml" ds:itemID="{EDF2B970-0028-4006-B8C6-0D5246C40660}">
-  <ds:schemaRefs>
-    <ds:schemaRef ds:uri="http://schemas.microsoft.com/sharepoint/v3/contenttype/forms"/>
-  </ds:schemaRefs>
-</ds:datastoreItem>
+<file path=customXml/item3.xml><?xml version="1.0" encoding="utf-8"?>
+<p:properties xmlns:p="http://schemas.microsoft.com/office/2006/metadata/properties" xmlns:xsi="http://www.w3.org/2001/XMLSchema-instance" xmlns:pc="http://schemas.microsoft.com/office/infopath/2007/PartnerControls">
+  <documentManagement/>
+</p:properties>
 </file>
 
-<file path=customXml/itemProps3.xml><?xml version="1.0" encoding="utf-8"?>
+<file path=customXml/itemProps1.xml><?xml version="1.0" encoding="utf-8"?>
 <ds:datastoreItem xmlns:ds="http://schemas.openxmlformats.org/officeDocument/2006/customXml" ds:itemID="{AA7512FA-63F2-4786-8934-966ECFDEA6B5}">
   <ds:schemaRefs>
     <ds:schemaRef ds:uri="http://schemas.microsoft.com/office/2006/metadata/contentType"/>
@@ -4045,4 +4021,28 @@
     <ds:schemaRef ds:uri="http://schemas.microsoft.com/internal/obd"/>
   </ds:schemaRefs>
 </ds:datastoreItem>
+</file>
+
+<file path=customXml/itemProps2.xml><?xml version="1.0" encoding="utf-8"?>
+<ds:datastoreItem xmlns:ds="http://schemas.openxmlformats.org/officeDocument/2006/customXml" ds:itemID="{EDF2B970-0028-4006-B8C6-0D5246C40660}">
+  <ds:schemaRefs>
+    <ds:schemaRef ds:uri="http://schemas.microsoft.com/sharepoint/v3/contenttype/forms"/>
+  </ds:schemaRefs>
+</ds:datastoreItem>
+</file>
+
+<file path=customXml/itemProps3.xml><?xml version="1.0" encoding="utf-8"?>
+<ds:datastoreItem xmlns:ds="http://schemas.openxmlformats.org/officeDocument/2006/customXml" ds:itemID="{9FAF190B-11C1-42D7-9702-AB050DF262DD}">
+  <ds:schemaRefs>
+    <ds:schemaRef ds:uri="7ee0ed61-752b-4f2e-896a-2d704be2690c"/>
+    <ds:schemaRef ds:uri="http://www.w3.org/XML/1998/namespace"/>
+    <ds:schemaRef ds:uri="http://purl.org/dc/terms/"/>
+    <ds:schemaRef ds:uri="http://schemas.microsoft.com/office/2006/metadata/properties"/>
+    <ds:schemaRef ds:uri="http://purl.org/dc/elements/1.1/"/>
+    <ds:schemaRef ds:uri="http://schemas.openxmlformats.org/package/2006/metadata/core-properties"/>
+    <ds:schemaRef ds:uri="http://schemas.microsoft.com/office/2006/documentManagement/types"/>
+    <ds:schemaRef ds:uri="http://schemas.microsoft.com/office/infopath/2007/PartnerControls"/>
+    <ds:schemaRef ds:uri="http://purl.org/dc/dcmitype/"/>
+  </ds:schemaRefs>
+</ds:datastoreItem>
 </file>